--- a/305_pre_slides.pptx
+++ b/305_pre_slides.pptx
@@ -5,21 +5,22 @@
     <p:sldMasterId id="2147483936" r:id="rId1"/>
   </p:sldMasterIdLst>
   <p:notesMasterIdLst>
-    <p:notesMasterId r:id="rId11"/>
+    <p:notesMasterId r:id="rId12"/>
   </p:notesMasterIdLst>
   <p:handoutMasterIdLst>
-    <p:handoutMasterId r:id="rId12"/>
+    <p:handoutMasterId r:id="rId13"/>
   </p:handoutMasterIdLst>
   <p:sldIdLst>
     <p:sldId id="385" r:id="rId2"/>
     <p:sldId id="387" r:id="rId3"/>
-    <p:sldId id="386" r:id="rId4"/>
-    <p:sldId id="444" r:id="rId5"/>
-    <p:sldId id="389" r:id="rId6"/>
-    <p:sldId id="445" r:id="rId7"/>
-    <p:sldId id="446" r:id="rId8"/>
-    <p:sldId id="447" r:id="rId9"/>
-    <p:sldId id="448" r:id="rId10"/>
+    <p:sldId id="449" r:id="rId4"/>
+    <p:sldId id="386" r:id="rId5"/>
+    <p:sldId id="444" r:id="rId6"/>
+    <p:sldId id="389" r:id="rId7"/>
+    <p:sldId id="445" r:id="rId8"/>
+    <p:sldId id="446" r:id="rId9"/>
+    <p:sldId id="447" r:id="rId10"/>
+    <p:sldId id="448" r:id="rId11"/>
   </p:sldIdLst>
   <p:sldSz cx="9144000" cy="5143500" type="screen16x9"/>
   <p:notesSz cx="6858000" cy="9144000"/>
@@ -233,7 +234,7 @@
           <a:p>
             <a:fld id="{7CFA1105-4CB5-49CE-A3B9-C38D57739BAB}" type="datetimeFigureOut">
               <a:rPr lang="zh-CN" altLang="en-US" smtClean="0"/>
-              <a:t>2020/12/22</a:t>
+              <a:t>2021/1/1</a:t>
             </a:fld>
             <a:endParaRPr lang="zh-CN" altLang="en-US"/>
           </a:p>
@@ -314,6 +315,33 @@
   </p:cSld>
   <p:clrMap bg1="lt1" tx1="dk1" bg2="lt2" tx2="dk2" accent1="accent1" accent2="accent2" accent3="accent3" accent4="accent4" accent5="accent5" accent6="accent6" hlink="hlink" folHlink="folHlink"/>
 </p:handoutMaster>
+</file>
+
+<file path=ppt/ink/ink1.xml><?xml version="1.0" encoding="utf-8"?>
+<inkml:ink xmlns:inkml="http://www.w3.org/2003/InkML">
+  <inkml:definitions>
+    <inkml:context xml:id="ctx0">
+      <inkml:inkSource xml:id="inkSrc0">
+        <inkml:traceFormat>
+          <inkml:channel name="X" type="integer" min="-2.14748E9" max="2.14748E9" units="cm"/>
+          <inkml:channel name="Y" type="integer" min="-2.14748E9" max="2.14748E9" units="cm"/>
+          <inkml:channel name="F" type="integer" max="32767" units="dev"/>
+        </inkml:traceFormat>
+        <inkml:channelProperties>
+          <inkml:channelProperty channel="X" name="resolution" value="1000" units="1/cm"/>
+          <inkml:channelProperty channel="Y" name="resolution" value="1000" units="1/cm"/>
+          <inkml:channelProperty channel="F" name="resolution" value="0" units="1/dev"/>
+        </inkml:channelProperties>
+      </inkml:inkSource>
+      <inkml:timestamp xml:id="ts0" timeString="2021-01-02T01:05:50.718"/>
+    </inkml:context>
+    <inkml:brush xml:id="br0">
+      <inkml:brushProperty name="width" value="0.05" units="cm"/>
+      <inkml:brushProperty name="height" value="0.05" units="cm"/>
+    </inkml:brush>
+  </inkml:definitions>
+  <inkml:trace contextRef="#ctx0" brushRef="#br0">1 1 24575,'0'0'0</inkml:trace>
+</inkml:ink>
 </file>
 
 <file path=ppt/notesMasters/notesMaster1.xml><?xml version="1.0" encoding="utf-8"?>
@@ -398,7 +426,7 @@
           <a:p>
             <a:fld id="{2C25F590-7430-40EC-A08B-10284E1AC6B4}" type="datetimeFigureOut">
               <a:rPr lang="zh-CN" altLang="en-US" smtClean="0"/>
-              <a:t>2020/12/22</a:t>
+              <a:t>2021/1/1</a:t>
             </a:fld>
             <a:endParaRPr lang="zh-CN" altLang="en-US"/>
           </a:p>
@@ -709,7 +737,47 @@
           <a:bodyPr/>
           <a:lstStyle/>
           <a:p>
-            <a:endParaRPr lang="zh-CN" altLang="en-US"/>
+            <a:pPr marL="0" marR="0" lvl="0" indent="0" algn="l" defTabSz="914400" rtl="0" eaLnBrk="1" fontAlgn="auto" latinLnBrk="0" hangingPunct="1">
+              <a:lnSpc>
+                <a:spcPct val="100000"/>
+              </a:lnSpc>
+              <a:spcBef>
+                <a:spcPts val="0"/>
+              </a:spcBef>
+              <a:spcAft>
+                <a:spcPts val="0"/>
+              </a:spcAft>
+              <a:buClrTx/>
+              <a:buSzTx/>
+              <a:buFontTx/>
+              <a:buNone/>
+              <a:tabLst/>
+              <a:defRPr/>
+            </a:pPr>
+            <a:r>
+              <a:rPr lang="en-US" altLang="zh-CN" sz="1200" kern="1200" dirty="0">
+                <a:solidFill>
+                  <a:schemeClr val="tx1"/>
+                </a:solidFill>
+                <a:effectLst/>
+                <a:latin typeface="+mn-lt"/>
+                <a:ea typeface="+mn-ea"/>
+                <a:cs typeface="+mn-cs"/>
+              </a:rPr>
+              <a:t>Because this disease has become the no 1 cause of death globally, accounting for 31% of all death worldwide. In this dataset, I got 11 features from nearly 300 traced patients and I would like to identify the most associated factors with the death event and create a machine learning model for early detection. </a:t>
+            </a:r>
+            <a:endParaRPr lang="zh-CN" altLang="zh-CN" sz="1200" kern="1200" dirty="0">
+              <a:solidFill>
+                <a:schemeClr val="tx1"/>
+              </a:solidFill>
+              <a:effectLst/>
+              <a:latin typeface="+mn-lt"/>
+              <a:ea typeface="+mn-ea"/>
+              <a:cs typeface="+mn-cs"/>
+            </a:endParaRPr>
+          </a:p>
+          <a:p>
+            <a:endParaRPr lang="zh-CN" altLang="en-US" dirty="0"/>
           </a:p>
         </p:txBody>
       </p:sp>
@@ -740,6 +808,382 @@
     <p:extLst>
       <p:ext uri="{BB962C8B-B14F-4D97-AF65-F5344CB8AC3E}">
         <p14:creationId xmlns:p14="http://schemas.microsoft.com/office/powerpoint/2010/main" val="2330170597"/>
+      </p:ext>
+    </p:extLst>
+  </p:cSld>
+  <p:clrMapOvr>
+    <a:masterClrMapping/>
+  </p:clrMapOvr>
+</p:notes>
+</file>
+
+<file path=ppt/notesSlides/notesSlide2.xml><?xml version="1.0" encoding="utf-8"?>
+<p:notes xmlns:a="http://schemas.openxmlformats.org/drawingml/2006/main" xmlns:r="http://schemas.openxmlformats.org/officeDocument/2006/relationships" xmlns:p="http://schemas.openxmlformats.org/presentationml/2006/main">
+  <p:cSld>
+    <p:spTree>
+      <p:nvGrpSpPr>
+        <p:cNvPr id="1" name=""/>
+        <p:cNvGrpSpPr/>
+        <p:nvPr/>
+      </p:nvGrpSpPr>
+      <p:grpSpPr>
+        <a:xfrm>
+          <a:off x="0" y="0"/>
+          <a:ext cx="0" cy="0"/>
+          <a:chOff x="0" y="0"/>
+          <a:chExt cx="0" cy="0"/>
+        </a:xfrm>
+      </p:grpSpPr>
+      <p:sp>
+        <p:nvSpPr>
+          <p:cNvPr id="2" name="幻灯片图像占位符 1"/>
+          <p:cNvSpPr>
+            <a:spLocks noGrp="1" noRot="1" noChangeAspect="1"/>
+          </p:cNvSpPr>
+          <p:nvPr>
+            <p:ph type="sldImg"/>
+          </p:nvPr>
+        </p:nvSpPr>
+        <p:spPr/>
+      </p:sp>
+      <p:sp>
+        <p:nvSpPr>
+          <p:cNvPr id="3" name="备注占位符 2"/>
+          <p:cNvSpPr>
+            <a:spLocks noGrp="1"/>
+          </p:cNvSpPr>
+          <p:nvPr>
+            <p:ph type="body" idx="1"/>
+          </p:nvPr>
+        </p:nvSpPr>
+        <p:spPr/>
+        <p:txBody>
+          <a:bodyPr/>
+          <a:lstStyle/>
+          <a:p>
+            <a:pPr marL="0" marR="0" lvl="0" indent="0" algn="l" defTabSz="914400" rtl="0" eaLnBrk="1" fontAlgn="auto" latinLnBrk="0" hangingPunct="1">
+              <a:lnSpc>
+                <a:spcPct val="100000"/>
+              </a:lnSpc>
+              <a:spcBef>
+                <a:spcPts val="0"/>
+              </a:spcBef>
+              <a:spcAft>
+                <a:spcPts val="0"/>
+              </a:spcAft>
+              <a:buClrTx/>
+              <a:buSzTx/>
+              <a:buFontTx/>
+              <a:buNone/>
+              <a:tabLst/>
+              <a:defRPr/>
+            </a:pPr>
+            <a:r>
+              <a:rPr lang="en-US" altLang="zh-CN" sz="1200" kern="1200" dirty="0">
+                <a:solidFill>
+                  <a:schemeClr val="tx1"/>
+                </a:solidFill>
+                <a:effectLst/>
+                <a:latin typeface="+mn-lt"/>
+                <a:ea typeface="+mn-ea"/>
+                <a:cs typeface="+mn-cs"/>
+              </a:rPr>
+              <a:t>Heart failure is the no 1 cause of death globally, accounting for 31% of all death worldwide. In this dataset, I got 11 features from nearly 300 traced patients and I would like to identify the most associated factors with the death event and create a machine learning model for early detection. </a:t>
+            </a:r>
+            <a:endParaRPr lang="zh-CN" altLang="zh-CN" sz="1200" kern="1200" dirty="0">
+              <a:solidFill>
+                <a:schemeClr val="tx1"/>
+              </a:solidFill>
+              <a:effectLst/>
+              <a:latin typeface="+mn-lt"/>
+              <a:ea typeface="+mn-ea"/>
+              <a:cs typeface="+mn-cs"/>
+            </a:endParaRPr>
+          </a:p>
+          <a:p>
+            <a:endParaRPr lang="zh-CN" altLang="en-US" dirty="0"/>
+          </a:p>
+        </p:txBody>
+      </p:sp>
+      <p:sp>
+        <p:nvSpPr>
+          <p:cNvPr id="4" name="灯片编号占位符 3"/>
+          <p:cNvSpPr>
+            <a:spLocks noGrp="1"/>
+          </p:cNvSpPr>
+          <p:nvPr>
+            <p:ph type="sldNum" sz="quarter" idx="10"/>
+          </p:nvPr>
+        </p:nvSpPr>
+        <p:spPr/>
+        <p:txBody>
+          <a:bodyPr/>
+          <a:lstStyle/>
+          <a:p>
+            <a:fld id="{75B9E9C4-E4E2-44F2-A3F2-6BBE71349BEE}" type="slidenum">
+              <a:rPr lang="zh-CN" altLang="en-US" smtClean="0"/>
+              <a:t>3</a:t>
+            </a:fld>
+            <a:endParaRPr lang="zh-CN" altLang="en-US"/>
+          </a:p>
+        </p:txBody>
+      </p:sp>
+    </p:spTree>
+    <p:extLst>
+      <p:ext uri="{BB962C8B-B14F-4D97-AF65-F5344CB8AC3E}">
+        <p14:creationId xmlns:p14="http://schemas.microsoft.com/office/powerpoint/2010/main" val="1893410687"/>
+      </p:ext>
+    </p:extLst>
+  </p:cSld>
+  <p:clrMapOvr>
+    <a:masterClrMapping/>
+  </p:clrMapOvr>
+</p:notes>
+</file>
+
+<file path=ppt/notesSlides/notesSlide3.xml><?xml version="1.0" encoding="utf-8"?>
+<p:notes xmlns:a="http://schemas.openxmlformats.org/drawingml/2006/main" xmlns:r="http://schemas.openxmlformats.org/officeDocument/2006/relationships" xmlns:p="http://schemas.openxmlformats.org/presentationml/2006/main">
+  <p:cSld>
+    <p:spTree>
+      <p:nvGrpSpPr>
+        <p:cNvPr id="1" name=""/>
+        <p:cNvGrpSpPr/>
+        <p:nvPr/>
+      </p:nvGrpSpPr>
+      <p:grpSpPr>
+        <a:xfrm>
+          <a:off x="0" y="0"/>
+          <a:ext cx="0" cy="0"/>
+          <a:chOff x="0" y="0"/>
+          <a:chExt cx="0" cy="0"/>
+        </a:xfrm>
+      </p:grpSpPr>
+      <p:sp>
+        <p:nvSpPr>
+          <p:cNvPr id="2" name="幻灯片图像占位符 1"/>
+          <p:cNvSpPr>
+            <a:spLocks noGrp="1" noRot="1" noChangeAspect="1"/>
+          </p:cNvSpPr>
+          <p:nvPr>
+            <p:ph type="sldImg"/>
+          </p:nvPr>
+        </p:nvSpPr>
+        <p:spPr/>
+      </p:sp>
+      <p:sp>
+        <p:nvSpPr>
+          <p:cNvPr id="3" name="备注占位符 2"/>
+          <p:cNvSpPr>
+            <a:spLocks noGrp="1"/>
+          </p:cNvSpPr>
+          <p:nvPr>
+            <p:ph type="body" idx="1"/>
+          </p:nvPr>
+        </p:nvSpPr>
+        <p:spPr/>
+        <p:txBody>
+          <a:bodyPr/>
+          <a:lstStyle/>
+          <a:p>
+            <a:endParaRPr kumimoji="1" lang="zh-CN" altLang="en-US" dirty="0"/>
+          </a:p>
+        </p:txBody>
+      </p:sp>
+      <p:sp>
+        <p:nvSpPr>
+          <p:cNvPr id="4" name="灯片编号占位符 3"/>
+          <p:cNvSpPr>
+            <a:spLocks noGrp="1"/>
+          </p:cNvSpPr>
+          <p:nvPr>
+            <p:ph type="sldNum" sz="quarter" idx="5"/>
+          </p:nvPr>
+        </p:nvSpPr>
+        <p:spPr/>
+        <p:txBody>
+          <a:bodyPr/>
+          <a:lstStyle/>
+          <a:p>
+            <a:fld id="{75B9E9C4-E4E2-44F2-A3F2-6BBE71349BEE}" type="slidenum">
+              <a:rPr lang="zh-CN" altLang="en-US" smtClean="0"/>
+              <a:t>4</a:t>
+            </a:fld>
+            <a:endParaRPr lang="zh-CN" altLang="en-US"/>
+          </a:p>
+        </p:txBody>
+      </p:sp>
+    </p:spTree>
+    <p:extLst>
+      <p:ext uri="{BB962C8B-B14F-4D97-AF65-F5344CB8AC3E}">
+        <p14:creationId xmlns:p14="http://schemas.microsoft.com/office/powerpoint/2010/main" val="2801361068"/>
+      </p:ext>
+    </p:extLst>
+  </p:cSld>
+  <p:clrMapOvr>
+    <a:masterClrMapping/>
+  </p:clrMapOvr>
+</p:notes>
+</file>
+
+<file path=ppt/notesSlides/notesSlide4.xml><?xml version="1.0" encoding="utf-8"?>
+<p:notes xmlns:a="http://schemas.openxmlformats.org/drawingml/2006/main" xmlns:r="http://schemas.openxmlformats.org/officeDocument/2006/relationships" xmlns:p="http://schemas.openxmlformats.org/presentationml/2006/main">
+  <p:cSld>
+    <p:spTree>
+      <p:nvGrpSpPr>
+        <p:cNvPr id="1" name=""/>
+        <p:cNvGrpSpPr/>
+        <p:nvPr/>
+      </p:nvGrpSpPr>
+      <p:grpSpPr>
+        <a:xfrm>
+          <a:off x="0" y="0"/>
+          <a:ext cx="0" cy="0"/>
+          <a:chOff x="0" y="0"/>
+          <a:chExt cx="0" cy="0"/>
+        </a:xfrm>
+      </p:grpSpPr>
+      <p:sp>
+        <p:nvSpPr>
+          <p:cNvPr id="2" name="幻灯片图像占位符 1"/>
+          <p:cNvSpPr>
+            <a:spLocks noGrp="1" noRot="1" noChangeAspect="1"/>
+          </p:cNvSpPr>
+          <p:nvPr>
+            <p:ph type="sldImg"/>
+          </p:nvPr>
+        </p:nvSpPr>
+        <p:spPr/>
+      </p:sp>
+      <p:sp>
+        <p:nvSpPr>
+          <p:cNvPr id="3" name="备注占位符 2"/>
+          <p:cNvSpPr>
+            <a:spLocks noGrp="1"/>
+          </p:cNvSpPr>
+          <p:nvPr>
+            <p:ph type="body" idx="1"/>
+          </p:nvPr>
+        </p:nvSpPr>
+        <p:spPr/>
+        <p:txBody>
+          <a:bodyPr/>
+          <a:lstStyle/>
+          <a:p>
+            <a:endParaRPr kumimoji="1" lang="zh-CN" altLang="en-US" dirty="0"/>
+          </a:p>
+        </p:txBody>
+      </p:sp>
+      <p:sp>
+        <p:nvSpPr>
+          <p:cNvPr id="4" name="灯片编号占位符 3"/>
+          <p:cNvSpPr>
+            <a:spLocks noGrp="1"/>
+          </p:cNvSpPr>
+          <p:nvPr>
+            <p:ph type="sldNum" sz="quarter" idx="5"/>
+          </p:nvPr>
+        </p:nvSpPr>
+        <p:spPr/>
+        <p:txBody>
+          <a:bodyPr/>
+          <a:lstStyle/>
+          <a:p>
+            <a:fld id="{75B9E9C4-E4E2-44F2-A3F2-6BBE71349BEE}" type="slidenum">
+              <a:rPr lang="zh-CN" altLang="en-US" smtClean="0"/>
+              <a:t>6</a:t>
+            </a:fld>
+            <a:endParaRPr lang="zh-CN" altLang="en-US"/>
+          </a:p>
+        </p:txBody>
+      </p:sp>
+    </p:spTree>
+    <p:extLst>
+      <p:ext uri="{BB962C8B-B14F-4D97-AF65-F5344CB8AC3E}">
+        <p14:creationId xmlns:p14="http://schemas.microsoft.com/office/powerpoint/2010/main" val="642427160"/>
+      </p:ext>
+    </p:extLst>
+  </p:cSld>
+  <p:clrMapOvr>
+    <a:masterClrMapping/>
+  </p:clrMapOvr>
+</p:notes>
+</file>
+
+<file path=ppt/notesSlides/notesSlide5.xml><?xml version="1.0" encoding="utf-8"?>
+<p:notes xmlns:a="http://schemas.openxmlformats.org/drawingml/2006/main" xmlns:r="http://schemas.openxmlformats.org/officeDocument/2006/relationships" xmlns:p="http://schemas.openxmlformats.org/presentationml/2006/main">
+  <p:cSld>
+    <p:spTree>
+      <p:nvGrpSpPr>
+        <p:cNvPr id="1" name=""/>
+        <p:cNvGrpSpPr/>
+        <p:nvPr/>
+      </p:nvGrpSpPr>
+      <p:grpSpPr>
+        <a:xfrm>
+          <a:off x="0" y="0"/>
+          <a:ext cx="0" cy="0"/>
+          <a:chOff x="0" y="0"/>
+          <a:chExt cx="0" cy="0"/>
+        </a:xfrm>
+      </p:grpSpPr>
+      <p:sp>
+        <p:nvSpPr>
+          <p:cNvPr id="2" name="幻灯片图像占位符 1"/>
+          <p:cNvSpPr>
+            <a:spLocks noGrp="1" noRot="1" noChangeAspect="1"/>
+          </p:cNvSpPr>
+          <p:nvPr>
+            <p:ph type="sldImg"/>
+          </p:nvPr>
+        </p:nvSpPr>
+        <p:spPr/>
+      </p:sp>
+      <p:sp>
+        <p:nvSpPr>
+          <p:cNvPr id="3" name="备注占位符 2"/>
+          <p:cNvSpPr>
+            <a:spLocks noGrp="1"/>
+          </p:cNvSpPr>
+          <p:nvPr>
+            <p:ph type="body" idx="1"/>
+          </p:nvPr>
+        </p:nvSpPr>
+        <p:spPr/>
+        <p:txBody>
+          <a:bodyPr/>
+          <a:lstStyle/>
+          <a:p>
+            <a:endParaRPr kumimoji="1" lang="zh-CN" altLang="en-US" dirty="0"/>
+          </a:p>
+        </p:txBody>
+      </p:sp>
+      <p:sp>
+        <p:nvSpPr>
+          <p:cNvPr id="4" name="灯片编号占位符 3"/>
+          <p:cNvSpPr>
+            <a:spLocks noGrp="1"/>
+          </p:cNvSpPr>
+          <p:nvPr>
+            <p:ph type="sldNum" sz="quarter" idx="5"/>
+          </p:nvPr>
+        </p:nvSpPr>
+        <p:spPr/>
+        <p:txBody>
+          <a:bodyPr/>
+          <a:lstStyle/>
+          <a:p>
+            <a:fld id="{75B9E9C4-E4E2-44F2-A3F2-6BBE71349BEE}" type="slidenum">
+              <a:rPr lang="zh-CN" altLang="en-US" smtClean="0"/>
+              <a:t>8</a:t>
+            </a:fld>
+            <a:endParaRPr lang="zh-CN" altLang="en-US"/>
+          </a:p>
+        </p:txBody>
+      </p:sp>
+    </p:spTree>
+    <p:extLst>
+      <p:ext uri="{BB962C8B-B14F-4D97-AF65-F5344CB8AC3E}">
+        <p14:creationId xmlns:p14="http://schemas.microsoft.com/office/powerpoint/2010/main" val="4080239781"/>
       </p:ext>
     </p:extLst>
   </p:cSld>
@@ -817,7 +1261,7 @@
           <a:p>
             <a:fld id="{740D629A-6069-BF45-AD93-D47D855A1A70}" type="datetime1">
               <a:rPr lang="en-US" altLang="zh-CN" smtClean="0"/>
-              <a:t>12/22/20</a:t>
+              <a:t>1/1/21</a:t>
             </a:fld>
             <a:endParaRPr lang="zh-CN" altLang="en-US"/>
           </a:p>
@@ -1121,7 +1565,7 @@
           <a:p>
             <a:fld id="{83BF2B51-7C59-F34F-84A3-E6B7B8C5CF58}" type="datetime1">
               <a:rPr lang="en-US" altLang="zh-CN" smtClean="0"/>
-              <a:t>12/22/20</a:t>
+              <a:t>1/1/21</a:t>
             </a:fld>
             <a:endParaRPr lang="zh-CN" altLang="en-US"/>
           </a:p>
@@ -1369,7 +1813,7 @@
           <a:p>
             <a:fld id="{40FD17F4-DF79-B94C-9D40-34372D84942E}" type="datetime1">
               <a:rPr lang="en-US" altLang="zh-CN" smtClean="0"/>
-              <a:t>12/22/20</a:t>
+              <a:t>1/1/21</a:t>
             </a:fld>
             <a:endParaRPr lang="zh-CN" altLang="en-US"/>
           </a:p>
@@ -1682,7 +2126,7 @@
           <a:p>
             <a:fld id="{69997AEA-B050-2E43-A233-4D536035F5B9}" type="datetime1">
               <a:rPr lang="en-US" altLang="zh-CN" smtClean="0"/>
-              <a:t>12/22/20</a:t>
+              <a:t>1/1/21</a:t>
             </a:fld>
             <a:endParaRPr lang="zh-CN" altLang="en-US"/>
           </a:p>
@@ -1845,7 +2289,7 @@
           <a:p>
             <a:fld id="{740D629A-6069-BF45-AD93-D47D855A1A70}" type="datetime1">
               <a:rPr lang="en-US" altLang="zh-CN" smtClean="0"/>
-              <a:t>12/22/20</a:t>
+              <a:t>1/1/21</a:t>
             </a:fld>
             <a:endParaRPr lang="zh-CN" altLang="en-US"/>
           </a:p>
@@ -2031,7 +2475,7 @@
           <a:p>
             <a:fld id="{0B4BEC91-C7E7-6843-A7BB-201FA7857017}" type="datetime1">
               <a:rPr lang="en-US" altLang="zh-CN" smtClean="0"/>
-              <a:t>12/22/20</a:t>
+              <a:t>1/1/21</a:t>
             </a:fld>
             <a:endParaRPr lang="zh-CN" altLang="en-US"/>
           </a:p>
@@ -2338,7 +2782,7 @@
           <a:p>
             <a:fld id="{740D629A-6069-BF45-AD93-D47D855A1A70}" type="datetime1">
               <a:rPr lang="en-US" altLang="zh-CN" smtClean="0"/>
-              <a:t>12/22/20</a:t>
+              <a:t>1/1/21</a:t>
             </a:fld>
             <a:endParaRPr lang="zh-CN" altLang="en-US"/>
           </a:p>
@@ -2825,10 +3269,257 @@
           </a:p>
         </p:txBody>
       </p:sp>
+      <p:sp>
+        <p:nvSpPr>
+          <p:cNvPr id="4" name="文本框 3">
+            <a:extLst>
+              <a:ext uri="{FF2B5EF4-FFF2-40B4-BE49-F238E27FC236}">
+                <a16:creationId xmlns:a16="http://schemas.microsoft.com/office/drawing/2014/main" id="{C0D06162-0A4E-6B49-8063-656EFB804019}"/>
+              </a:ext>
+            </a:extLst>
+          </p:cNvPr>
+          <p:cNvSpPr txBox="1"/>
+          <p:nvPr/>
+        </p:nvSpPr>
+        <p:spPr>
+          <a:xfrm>
+            <a:off x="6466114" y="612321"/>
+            <a:ext cx="184731" cy="369332"/>
+          </a:xfrm>
+          <a:prstGeom prst="rect">
+            <a:avLst/>
+          </a:prstGeom>
+          <a:noFill/>
+        </p:spPr>
+        <p:txBody>
+          <a:bodyPr wrap="none" rtlCol="0">
+            <a:spAutoFit/>
+          </a:bodyPr>
+          <a:lstStyle/>
+          <a:p>
+            <a:endParaRPr kumimoji="1" lang="zh-CN" altLang="en-US" dirty="0"/>
+          </a:p>
+        </p:txBody>
+      </p:sp>
     </p:spTree>
     <p:extLst>
       <p:ext uri="{BB962C8B-B14F-4D97-AF65-F5344CB8AC3E}">
         <p14:creationId xmlns:p14="http://schemas.microsoft.com/office/powerpoint/2010/main" val="1229641966"/>
+      </p:ext>
+    </p:extLst>
+  </p:cSld>
+  <p:clrMapOvr>
+    <a:masterClrMapping/>
+  </p:clrMapOvr>
+</p:sld>
+</file>
+
+<file path=ppt/slides/slide10.xml><?xml version="1.0" encoding="utf-8"?>
+<p:sld xmlns:a="http://schemas.openxmlformats.org/drawingml/2006/main" xmlns:r="http://schemas.openxmlformats.org/officeDocument/2006/relationships" xmlns:p="http://schemas.openxmlformats.org/presentationml/2006/main">
+  <p:cSld>
+    <p:spTree>
+      <p:nvGrpSpPr>
+        <p:cNvPr id="1" name=""/>
+        <p:cNvGrpSpPr/>
+        <p:nvPr/>
+      </p:nvGrpSpPr>
+      <p:grpSpPr>
+        <a:xfrm>
+          <a:off x="0" y="0"/>
+          <a:ext cx="0" cy="0"/>
+          <a:chOff x="0" y="0"/>
+          <a:chExt cx="0" cy="0"/>
+        </a:xfrm>
+      </p:grpSpPr>
+      <p:sp>
+        <p:nvSpPr>
+          <p:cNvPr id="2" name="标题 1">
+            <a:extLst>
+              <a:ext uri="{FF2B5EF4-FFF2-40B4-BE49-F238E27FC236}">
+                <a16:creationId xmlns:a16="http://schemas.microsoft.com/office/drawing/2014/main" id="{9D9B9D0E-9A80-9144-BFBB-04EB8E7E9C2C}"/>
+              </a:ext>
+            </a:extLst>
+          </p:cNvPr>
+          <p:cNvSpPr>
+            <a:spLocks noGrp="1"/>
+          </p:cNvSpPr>
+          <p:nvPr>
+            <p:ph type="title"/>
+          </p:nvPr>
+        </p:nvSpPr>
+        <p:spPr/>
+        <p:txBody>
+          <a:bodyPr/>
+          <a:lstStyle/>
+          <a:p>
+            <a:r>
+              <a:rPr kumimoji="1" lang="en-US" altLang="zh-CN" dirty="0"/>
+              <a:t>ROC &amp; PR-curve </a:t>
+            </a:r>
+            <a:endParaRPr kumimoji="1" lang="zh-CN" altLang="en-US" dirty="0"/>
+          </a:p>
+        </p:txBody>
+      </p:sp>
+      <p:sp>
+        <p:nvSpPr>
+          <p:cNvPr id="5" name="页脚占位符 4">
+            <a:extLst>
+              <a:ext uri="{FF2B5EF4-FFF2-40B4-BE49-F238E27FC236}">
+                <a16:creationId xmlns:a16="http://schemas.microsoft.com/office/drawing/2014/main" id="{D6430CD8-D070-C840-BF31-AA28F9DE9C94}"/>
+              </a:ext>
+            </a:extLst>
+          </p:cNvPr>
+          <p:cNvSpPr>
+            <a:spLocks noGrp="1"/>
+          </p:cNvSpPr>
+          <p:nvPr>
+            <p:ph type="ftr" sz="quarter" idx="11"/>
+          </p:nvPr>
+        </p:nvSpPr>
+        <p:spPr/>
+        <p:txBody>
+          <a:bodyPr/>
+          <a:lstStyle/>
+          <a:p>
+            <a:r>
+              <a:rPr lang="en-US" altLang="zh-CN"/>
+              <a:t>INT305 Machine learning</a:t>
+            </a:r>
+            <a:endParaRPr lang="zh-CN" altLang="en-US" dirty="0"/>
+          </a:p>
+        </p:txBody>
+      </p:sp>
+      <p:sp>
+        <p:nvSpPr>
+          <p:cNvPr id="6" name="灯片编号占位符 5">
+            <a:extLst>
+              <a:ext uri="{FF2B5EF4-FFF2-40B4-BE49-F238E27FC236}">
+                <a16:creationId xmlns:a16="http://schemas.microsoft.com/office/drawing/2014/main" id="{EEAEEF79-67B9-5D4E-9CBE-59CC8FE6A0A8}"/>
+              </a:ext>
+            </a:extLst>
+          </p:cNvPr>
+          <p:cNvSpPr>
+            <a:spLocks noGrp="1"/>
+          </p:cNvSpPr>
+          <p:nvPr>
+            <p:ph type="sldNum" sz="quarter" idx="12"/>
+          </p:nvPr>
+        </p:nvSpPr>
+        <p:spPr/>
+        <p:txBody>
+          <a:bodyPr/>
+          <a:lstStyle/>
+          <a:p>
+            <a:fld id="{AD10DC52-F5A2-44BE-9016-764A6C90F141}" type="slidenum">
+              <a:rPr lang="zh-CN" altLang="en-US" smtClean="0"/>
+              <a:t>10</a:t>
+            </a:fld>
+            <a:endParaRPr lang="zh-CN" altLang="en-US"/>
+          </a:p>
+        </p:txBody>
+      </p:sp>
+      <p:pic>
+        <p:nvPicPr>
+          <p:cNvPr id="8194" name="Picture 2">
+            <a:extLst>
+              <a:ext uri="{FF2B5EF4-FFF2-40B4-BE49-F238E27FC236}">
+                <a16:creationId xmlns:a16="http://schemas.microsoft.com/office/drawing/2014/main" id="{FABDBFB3-D430-2D45-9D43-E12121C69C48}"/>
+              </a:ext>
+            </a:extLst>
+          </p:cNvPr>
+          <p:cNvPicPr>
+            <a:picLocks noGrp="1" noChangeAspect="1" noChangeArrowheads="1"/>
+          </p:cNvPicPr>
+          <p:nvPr>
+            <p:ph sz="half" idx="1"/>
+          </p:nvPr>
+        </p:nvPicPr>
+        <p:blipFill>
+          <a:blip r:embed="rId2">
+            <a:extLst>
+              <a:ext uri="{28A0092B-C50C-407E-A947-70E740481C1C}">
+                <a14:useLocalDpi xmlns:a14="http://schemas.microsoft.com/office/drawing/2010/main" val="0"/>
+              </a:ext>
+            </a:extLst>
+          </a:blip>
+          <a:srcRect/>
+          <a:stretch>
+            <a:fillRect/>
+          </a:stretch>
+        </p:blipFill>
+        <p:spPr bwMode="auto">
+          <a:xfrm>
+            <a:off x="457200" y="1644175"/>
+            <a:ext cx="4038600" cy="2761613"/>
+          </a:xfrm>
+          <a:prstGeom prst="rect">
+            <a:avLst/>
+          </a:prstGeom>
+          <a:noFill/>
+          <a:extLst>
+            <a:ext uri="{909E8E84-426E-40DD-AFC4-6F175D3DCCD1}">
+              <a14:hiddenFill xmlns:a14="http://schemas.microsoft.com/office/drawing/2010/main">
+                <a:solidFill>
+                  <a:srgbClr val="FFFFFF"/>
+                </a:solidFill>
+              </a14:hiddenFill>
+            </a:ext>
+          </a:extLst>
+        </p:spPr>
+      </p:pic>
+      <p:pic>
+        <p:nvPicPr>
+          <p:cNvPr id="8196" name="Picture 4">
+            <a:extLst>
+              <a:ext uri="{FF2B5EF4-FFF2-40B4-BE49-F238E27FC236}">
+                <a16:creationId xmlns:a16="http://schemas.microsoft.com/office/drawing/2014/main" id="{7CEA1EF0-4C3B-2E48-98F9-958A2A1C8C37}"/>
+              </a:ext>
+            </a:extLst>
+          </p:cNvPr>
+          <p:cNvPicPr>
+            <a:picLocks noGrp="1" noChangeAspect="1" noChangeArrowheads="1"/>
+          </p:cNvPicPr>
+          <p:nvPr>
+            <p:ph sz="half" idx="2"/>
+          </p:nvPr>
+        </p:nvPicPr>
+        <p:blipFill>
+          <a:blip r:embed="rId3">
+            <a:extLst>
+              <a:ext uri="{28A0092B-C50C-407E-A947-70E740481C1C}">
+                <a14:useLocalDpi xmlns:a14="http://schemas.microsoft.com/office/drawing/2010/main" val="0"/>
+              </a:ext>
+            </a:extLst>
+          </a:blip>
+          <a:srcRect/>
+          <a:stretch>
+            <a:fillRect/>
+          </a:stretch>
+        </p:blipFill>
+        <p:spPr bwMode="auto">
+          <a:xfrm>
+            <a:off x="4648200" y="1644175"/>
+            <a:ext cx="4038600" cy="2761613"/>
+          </a:xfrm>
+          <a:prstGeom prst="rect">
+            <a:avLst/>
+          </a:prstGeom>
+          <a:noFill/>
+          <a:extLst>
+            <a:ext uri="{909E8E84-426E-40DD-AFC4-6F175D3DCCD1}">
+              <a14:hiddenFill xmlns:a14="http://schemas.microsoft.com/office/drawing/2010/main">
+                <a:solidFill>
+                  <a:srgbClr val="FFFFFF"/>
+                </a:solidFill>
+              </a14:hiddenFill>
+            </a:ext>
+          </a:extLst>
+        </p:spPr>
+      </p:pic>
+    </p:spTree>
+    <p:extLst>
+      <p:ext uri="{BB962C8B-B14F-4D97-AF65-F5344CB8AC3E}">
+        <p14:creationId xmlns:p14="http://schemas.microsoft.com/office/powerpoint/2010/main" val="1408913455"/>
       </p:ext>
     </p:extLst>
   </p:cSld>
@@ -3127,6 +3818,112 @@
       </p:grpSpPr>
       <p:sp>
         <p:nvSpPr>
+          <p:cNvPr id="2" name="标题 1"/>
+          <p:cNvSpPr>
+            <a:spLocks noGrp="1"/>
+          </p:cNvSpPr>
+          <p:nvPr>
+            <p:ph type="ctrTitle"/>
+          </p:nvPr>
+        </p:nvSpPr>
+        <p:spPr/>
+        <p:txBody>
+          <a:bodyPr/>
+          <a:lstStyle/>
+          <a:p>
+            <a:pPr algn="ctr"/>
+            <a:r>
+              <a:rPr kumimoji="1" lang="en-US" altLang="zh-CN" sz="4000" dirty="0"/>
+              <a:t>Association analysis</a:t>
+            </a:r>
+            <a:endParaRPr lang="zh-CN" altLang="en-US" sz="4000" dirty="0">
+              <a:latin typeface="Antique Olive" panose="020B0603020204030204" pitchFamily="34" charset="0"/>
+              <a:cs typeface="Calibri" panose="020F0502020204030204" pitchFamily="34" charset="0"/>
+            </a:endParaRPr>
+          </a:p>
+        </p:txBody>
+      </p:sp>
+      <p:sp>
+        <p:nvSpPr>
+          <p:cNvPr id="3" name="文本框 2">
+            <a:extLst>
+              <a:ext uri="{FF2B5EF4-FFF2-40B4-BE49-F238E27FC236}">
+                <a16:creationId xmlns:a16="http://schemas.microsoft.com/office/drawing/2014/main" id="{1CECBF24-A4CC-A74F-84C2-2D10B739C741}"/>
+              </a:ext>
+            </a:extLst>
+          </p:cNvPr>
+          <p:cNvSpPr txBox="1"/>
+          <p:nvPr/>
+        </p:nvSpPr>
+        <p:spPr>
+          <a:xfrm>
+            <a:off x="2051720" y="2571750"/>
+            <a:ext cx="6984776" cy="461665"/>
+          </a:xfrm>
+          <a:prstGeom prst="rect">
+            <a:avLst/>
+          </a:prstGeom>
+          <a:noFill/>
+        </p:spPr>
+        <p:txBody>
+          <a:bodyPr wrap="square" rtlCol="0">
+            <a:spAutoFit/>
+          </a:bodyPr>
+          <a:lstStyle/>
+          <a:p>
+            <a:r>
+              <a:rPr lang="en-US" altLang="zh-CN" sz="2400" spc="-100" dirty="0">
+                <a:solidFill>
+                  <a:schemeClr val="tx2"/>
+                </a:solidFill>
+                <a:latin typeface="Antique Olive" panose="020B0603020204030204" pitchFamily="34" charset="0"/>
+                <a:cs typeface="Calibri" panose="020F0502020204030204" pitchFamily="34" charset="0"/>
+              </a:rPr>
+              <a:t>Correlation matrix &amp; feature contribution plot </a:t>
+            </a:r>
+            <a:endParaRPr lang="zh-CN" altLang="en-US" sz="2400" spc="-100" dirty="0">
+              <a:solidFill>
+                <a:schemeClr val="tx2"/>
+              </a:solidFill>
+              <a:latin typeface="Antique Olive" panose="020B0603020204030204" pitchFamily="34" charset="0"/>
+              <a:ea typeface="+mj-ea"/>
+              <a:cs typeface="Calibri" panose="020F0502020204030204" pitchFamily="34" charset="0"/>
+            </a:endParaRPr>
+          </a:p>
+        </p:txBody>
+      </p:sp>
+    </p:spTree>
+    <p:extLst>
+      <p:ext uri="{BB962C8B-B14F-4D97-AF65-F5344CB8AC3E}">
+        <p14:creationId xmlns:p14="http://schemas.microsoft.com/office/powerpoint/2010/main" val="2938926476"/>
+      </p:ext>
+    </p:extLst>
+  </p:cSld>
+  <p:clrMapOvr>
+    <a:masterClrMapping/>
+  </p:clrMapOvr>
+</p:sld>
+</file>
+
+<file path=ppt/slides/slide4.xml><?xml version="1.0" encoding="utf-8"?>
+<p:sld xmlns:a="http://schemas.openxmlformats.org/drawingml/2006/main" xmlns:r="http://schemas.openxmlformats.org/officeDocument/2006/relationships" xmlns:p="http://schemas.openxmlformats.org/presentationml/2006/main">
+  <p:cSld>
+    <p:spTree>
+      <p:nvGrpSpPr>
+        <p:cNvPr id="1" name=""/>
+        <p:cNvGrpSpPr/>
+        <p:nvPr/>
+      </p:nvGrpSpPr>
+      <p:grpSpPr>
+        <a:xfrm>
+          <a:off x="0" y="0"/>
+          <a:ext cx="0" cy="0"/>
+          <a:chOff x="0" y="0"/>
+          <a:chExt cx="0" cy="0"/>
+        </a:xfrm>
+      </p:grpSpPr>
+      <p:sp>
+        <p:nvSpPr>
           <p:cNvPr id="2" name="标题 1">
             <a:extLst>
               <a:ext uri="{FF2B5EF4-FFF2-40B4-BE49-F238E27FC236}">
@@ -3155,7 +3952,7 @@
           <a:p>
             <a:r>
               <a:rPr kumimoji="1" lang="en-US" altLang="zh-CN" dirty="0"/>
-              <a:t>Association analysis</a:t>
+              <a:t>Correlation matrix</a:t>
             </a:r>
             <a:endParaRPr kumimoji="1" lang="zh-CN" altLang="en-US" dirty="0"/>
           </a:p>
@@ -3178,7 +3975,7 @@
           </p:nvPr>
         </p:nvPicPr>
         <p:blipFill>
-          <a:blip r:embed="rId2">
+          <a:blip r:embed="rId3">
             <a:extLst>
               <a:ext uri="{28A0092B-C50C-407E-A947-70E740481C1C}">
                 <a14:useLocalDpi xmlns:a14="http://schemas.microsoft.com/office/drawing/2010/main" val="0"/>
@@ -3334,7 +4131,7 @@
                   <a:spcPts val="600"/>
                 </a:spcAft>
               </a:pPr>
-              <a:t>3</a:t>
+              <a:t>4</a:t>
             </a:fld>
             <a:endParaRPr lang="zh-CN" altLang="en-US" sz="1100"/>
           </a:p>
@@ -3355,7 +4152,7 @@
           <p:nvPr/>
         </p:nvPicPr>
         <p:blipFill>
-          <a:blip r:embed="rId3"/>
+          <a:blip r:embed="rId4"/>
           <a:stretch>
             <a:fillRect/>
           </a:stretch>
@@ -3591,7 +4388,7 @@
 </p:sld>
 </file>
 
-<file path=ppt/slides/slide4.xml><?xml version="1.0" encoding="utf-8"?>
+<file path=ppt/slides/slide5.xml><?xml version="1.0" encoding="utf-8"?>
 <p:sld xmlns:a="http://schemas.openxmlformats.org/drawingml/2006/main" xmlns:r="http://schemas.openxmlformats.org/officeDocument/2006/relationships" xmlns:p="http://schemas.openxmlformats.org/presentationml/2006/main">
   <p:cSld>
     <p:spTree>
@@ -3691,7 +4488,7 @@
           <a:p>
             <a:fld id="{AD10DC52-F5A2-44BE-9016-764A6C90F141}" type="slidenum">
               <a:rPr lang="zh-CN" altLang="en-US" sz="1200" smtClean="0"/>
-              <a:t>4</a:t>
+              <a:t>5</a:t>
             </a:fld>
             <a:endParaRPr lang="zh-CN" altLang="en-US" sz="1200" dirty="0"/>
           </a:p>
@@ -3939,7 +4736,7 @@
 </p:sld>
 </file>
 
-<file path=ppt/slides/slide5.xml><?xml version="1.0" encoding="utf-8"?>
+<file path=ppt/slides/slide6.xml><?xml version="1.0" encoding="utf-8"?>
 <p:sld xmlns:a="http://schemas.openxmlformats.org/drawingml/2006/main" xmlns:r="http://schemas.openxmlformats.org/officeDocument/2006/relationships" xmlns:p="http://schemas.openxmlformats.org/presentationml/2006/main">
   <p:cSld>
     <p:spTree>
@@ -4009,7 +4806,7 @@
           </p:nvPr>
         </p:nvPicPr>
         <p:blipFill>
-          <a:blip r:embed="rId2"/>
+          <a:blip r:embed="rId3"/>
           <a:stretch>
             <a:fillRect/>
           </a:stretch>
@@ -4115,7 +4912,7 @@
                   <a:spcPts val="600"/>
                 </a:spcAft>
               </a:pPr>
-              <a:t>5</a:t>
+              <a:t>6</a:t>
             </a:fld>
             <a:endParaRPr lang="zh-CN" altLang="en-US" sz="1100"/>
           </a:p>
@@ -4135,8 +4932,8 @@
         </p:nvSpPr>
         <p:spPr>
           <a:xfrm>
-            <a:off x="3275856" y="4011910"/>
-            <a:ext cx="2808312" cy="504035"/>
+            <a:off x="3275856" y="4011911"/>
+            <a:ext cx="2808312" cy="397736"/>
           </a:xfrm>
           <a:prstGeom prst="rect">
             <a:avLst/>
@@ -4173,6 +4970,109 @@
           </a:p>
         </p:txBody>
       </p:sp>
+      <mc:AlternateContent xmlns:mc="http://schemas.openxmlformats.org/markup-compatibility/2006">
+        <mc:Choice xmlns:p14="http://schemas.microsoft.com/office/powerpoint/2010/main" Requires="p14">
+          <p:contentPart p14:bwMode="auto" r:id="rId4">
+            <p14:nvContentPartPr>
+              <p14:cNvPr id="3" name="墨迹 2">
+                <a:extLst>
+                  <a:ext uri="{FF2B5EF4-FFF2-40B4-BE49-F238E27FC236}">
+                    <a16:creationId xmlns:a16="http://schemas.microsoft.com/office/drawing/2014/main" id="{985AA1F8-3D59-E741-9A98-EDD97D98243E}"/>
+                  </a:ext>
+                </a:extLst>
+              </p14:cNvPr>
+              <p14:cNvContentPartPr/>
+              <p14:nvPr/>
+            </p14:nvContentPartPr>
+            <p14:xfrm>
+              <a:off x="2976950" y="4578480"/>
+              <a:ext cx="360" cy="360"/>
+            </p14:xfrm>
+          </p:contentPart>
+        </mc:Choice>
+        <mc:Fallback>
+          <p:pic>
+            <p:nvPicPr>
+              <p:cNvPr id="3" name="墨迹 2">
+                <a:extLst>
+                  <a:ext uri="{FF2B5EF4-FFF2-40B4-BE49-F238E27FC236}">
+                    <a16:creationId xmlns:a16="http://schemas.microsoft.com/office/drawing/2014/main" id="{985AA1F8-3D59-E741-9A98-EDD97D98243E}"/>
+                  </a:ext>
+                </a:extLst>
+              </p:cNvPr>
+              <p:cNvPicPr/>
+              <p:nvPr/>
+            </p:nvPicPr>
+            <p:blipFill>
+              <a:blip r:embed="rId5"/>
+              <a:stretch>
+                <a:fillRect/>
+              </a:stretch>
+            </p:blipFill>
+            <p:spPr>
+              <a:xfrm>
+                <a:off x="2968310" y="4569840"/>
+                <a:ext cx="18000" cy="18000"/>
+              </a:xfrm>
+              <a:prstGeom prst="rect">
+                <a:avLst/>
+              </a:prstGeom>
+            </p:spPr>
+          </p:pic>
+        </mc:Fallback>
+      </mc:AlternateContent>
+      <p:sp>
+        <p:nvSpPr>
+          <p:cNvPr id="9" name="矩形 8">
+            <a:extLst>
+              <a:ext uri="{FF2B5EF4-FFF2-40B4-BE49-F238E27FC236}">
+                <a16:creationId xmlns:a16="http://schemas.microsoft.com/office/drawing/2014/main" id="{09AFB470-4C6F-4348-813C-1F25D8FC6D9A}"/>
+              </a:ext>
+            </a:extLst>
+          </p:cNvPr>
+          <p:cNvSpPr/>
+          <p:nvPr/>
+        </p:nvSpPr>
+        <p:spPr>
+          <a:xfrm>
+            <a:off x="2123728" y="4515945"/>
+            <a:ext cx="3888432" cy="227505"/>
+          </a:xfrm>
+          <a:prstGeom prst="rect">
+            <a:avLst/>
+          </a:prstGeom>
+          <a:noFill/>
+          <a:ln>
+            <a:solidFill>
+              <a:srgbClr val="FF0000"/>
+            </a:solidFill>
+          </a:ln>
+        </p:spPr>
+        <p:style>
+          <a:lnRef idx="2">
+            <a:schemeClr val="accent1">
+              <a:shade val="50000"/>
+            </a:schemeClr>
+          </a:lnRef>
+          <a:fillRef idx="1">
+            <a:schemeClr val="accent1"/>
+          </a:fillRef>
+          <a:effectRef idx="0">
+            <a:schemeClr val="accent1"/>
+          </a:effectRef>
+          <a:fontRef idx="minor">
+            <a:schemeClr val="lt1"/>
+          </a:fontRef>
+        </p:style>
+        <p:txBody>
+          <a:bodyPr rtlCol="0" anchor="ctr"/>
+          <a:lstStyle/>
+          <a:p>
+            <a:pPr algn="ctr"/>
+            <a:endParaRPr kumimoji="1" lang="zh-CN" altLang="en-US" dirty="0"/>
+          </a:p>
+        </p:txBody>
+      </p:sp>
     </p:spTree>
     <p:extLst>
       <p:ext uri="{BB962C8B-B14F-4D97-AF65-F5344CB8AC3E}">
@@ -4183,10 +5083,88 @@
   <p:clrMapOvr>
     <a:masterClrMapping/>
   </p:clrMapOvr>
+  <p:timing>
+    <p:tnLst>
+      <p:par>
+        <p:cTn id="1" dur="indefinite" restart="never" nodeType="tmRoot">
+          <p:childTnLst>
+            <p:seq concurrent="1" nextAc="seek">
+              <p:cTn id="2" dur="indefinite" nodeType="mainSeq">
+                <p:childTnLst>
+                  <p:par>
+                    <p:cTn id="3" fill="hold">
+                      <p:stCondLst>
+                        <p:cond delay="indefinite"/>
+                      </p:stCondLst>
+                      <p:childTnLst>
+                        <p:par>
+                          <p:cTn id="4" fill="hold">
+                            <p:stCondLst>
+                              <p:cond delay="0"/>
+                            </p:stCondLst>
+                            <p:childTnLst>
+                              <p:par>
+                                <p:cTn id="5" presetID="1" presetClass="entr" presetSubtype="0" fill="hold" grpId="0" nodeType="clickEffect">
+                                  <p:stCondLst>
+                                    <p:cond delay="0"/>
+                                  </p:stCondLst>
+                                  <p:childTnLst>
+                                    <p:set>
+                                      <p:cBhvr>
+                                        <p:cTn id="6" dur="1" fill="hold">
+                                          <p:stCondLst>
+                                            <p:cond delay="0"/>
+                                          </p:stCondLst>
+                                        </p:cTn>
+                                        <p:tgtEl>
+                                          <p:spTgt spid="9"/>
+                                        </p:tgtEl>
+                                        <p:attrNameLst>
+                                          <p:attrName>style.visibility</p:attrName>
+                                        </p:attrNameLst>
+                                      </p:cBhvr>
+                                      <p:to>
+                                        <p:strVal val="visible"/>
+                                      </p:to>
+                                    </p:set>
+                                  </p:childTnLst>
+                                </p:cTn>
+                              </p:par>
+                            </p:childTnLst>
+                          </p:cTn>
+                        </p:par>
+                      </p:childTnLst>
+                    </p:cTn>
+                  </p:par>
+                </p:childTnLst>
+              </p:cTn>
+              <p:prevCondLst>
+                <p:cond evt="onPrev" delay="0">
+                  <p:tgtEl>
+                    <p:sldTgt/>
+                  </p:tgtEl>
+                </p:cond>
+              </p:prevCondLst>
+              <p:nextCondLst>
+                <p:cond evt="onNext" delay="0">
+                  <p:tgtEl>
+                    <p:sldTgt/>
+                  </p:tgtEl>
+                </p:cond>
+              </p:nextCondLst>
+            </p:seq>
+          </p:childTnLst>
+        </p:cTn>
+      </p:par>
+    </p:tnLst>
+    <p:bldLst>
+      <p:bldP spid="9" grpId="0" animBg="1"/>
+    </p:bldLst>
+  </p:timing>
 </p:sld>
 </file>
 
-<file path=ppt/slides/slide6.xml><?xml version="1.0" encoding="utf-8"?>
+<file path=ppt/slides/slide7.xml><?xml version="1.0" encoding="utf-8"?>
 <p:sld xmlns:a="http://schemas.openxmlformats.org/drawingml/2006/main" xmlns:r="http://schemas.openxmlformats.org/officeDocument/2006/relationships" xmlns:p="http://schemas.openxmlformats.org/presentationml/2006/main">
   <p:cSld>
     <p:spTree>
@@ -4358,7 +5336,7 @@
           <a:p>
             <a:fld id="{AD10DC52-F5A2-44BE-9016-764A6C90F141}" type="slidenum">
               <a:rPr lang="zh-CN" altLang="en-US" smtClean="0"/>
-              <a:t>6</a:t>
+              <a:t>7</a:t>
             </a:fld>
             <a:endParaRPr lang="zh-CN" altLang="en-US"/>
           </a:p>
@@ -4431,7 +5409,7 @@
         <p:spPr>
           <a:xfrm>
             <a:off x="4728456" y="1275606"/>
-            <a:ext cx="3958344" cy="1477328"/>
+            <a:ext cx="4164024" cy="1477328"/>
           </a:xfrm>
           <a:prstGeom prst="rect">
             <a:avLst/>
@@ -4474,7 +5452,7 @@
             </a:pPr>
             <a:r>
               <a:rPr kumimoji="1" lang="en-US" altLang="zh-CN" dirty="0"/>
-              <a:t>Choose ten-fold cross validation due to the computational efficacy </a:t>
+              <a:t>Choose ten-fold cross validation due to the computational efficiency </a:t>
             </a:r>
             <a:endParaRPr kumimoji="1" lang="zh-CN" altLang="en-US" dirty="0"/>
           </a:p>
@@ -4493,7 +5471,7 @@
 </p:sld>
 </file>
 
-<file path=ppt/slides/slide7.xml><?xml version="1.0" encoding="utf-8"?>
+<file path=ppt/slides/slide8.xml><?xml version="1.0" encoding="utf-8"?>
 <p:sld xmlns:a="http://schemas.openxmlformats.org/drawingml/2006/main" xmlns:r="http://schemas.openxmlformats.org/officeDocument/2006/relationships" xmlns:p="http://schemas.openxmlformats.org/presentationml/2006/main">
   <p:cSld>
     <p:spTree>
@@ -4679,7 +5657,7 @@
           <a:p>
             <a:fld id="{AD10DC52-F5A2-44BE-9016-764A6C90F141}" type="slidenum">
               <a:rPr lang="zh-CN" altLang="en-US" smtClean="0"/>
-              <a:t>7</a:t>
+              <a:t>8</a:t>
             </a:fld>
             <a:endParaRPr lang="zh-CN" altLang="en-US"/>
           </a:p>
@@ -4807,7 +5785,7 @@
 </p:sld>
 </file>
 
-<file path=ppt/slides/slide8.xml><?xml version="1.0" encoding="utf-8"?>
+<file path=ppt/slides/slide9.xml><?xml version="1.0" encoding="utf-8"?>
 <p:sld xmlns:a="http://schemas.openxmlformats.org/drawingml/2006/main" xmlns:r="http://schemas.openxmlformats.org/officeDocument/2006/relationships" xmlns:p="http://schemas.openxmlformats.org/presentationml/2006/main">
   <p:cSld>
     <p:spTree>
@@ -4945,7 +5923,7 @@
           <a:p>
             <a:fld id="{AD10DC52-F5A2-44BE-9016-764A6C90F141}" type="slidenum">
               <a:rPr lang="zh-CN" altLang="en-US" smtClean="0"/>
-              <a:t>8</a:t>
+              <a:t>9</a:t>
             </a:fld>
             <a:endParaRPr lang="zh-CN" altLang="en-US"/>
           </a:p>
@@ -5004,221 +5982,6 @@
     <p:extLst>
       <p:ext uri="{BB962C8B-B14F-4D97-AF65-F5344CB8AC3E}">
         <p14:creationId xmlns:p14="http://schemas.microsoft.com/office/powerpoint/2010/main" val="107589436"/>
-      </p:ext>
-    </p:extLst>
-  </p:cSld>
-  <p:clrMapOvr>
-    <a:masterClrMapping/>
-  </p:clrMapOvr>
-</p:sld>
-</file>
-
-<file path=ppt/slides/slide9.xml><?xml version="1.0" encoding="utf-8"?>
-<p:sld xmlns:a="http://schemas.openxmlformats.org/drawingml/2006/main" xmlns:r="http://schemas.openxmlformats.org/officeDocument/2006/relationships" xmlns:p="http://schemas.openxmlformats.org/presentationml/2006/main">
-  <p:cSld>
-    <p:spTree>
-      <p:nvGrpSpPr>
-        <p:cNvPr id="1" name=""/>
-        <p:cNvGrpSpPr/>
-        <p:nvPr/>
-      </p:nvGrpSpPr>
-      <p:grpSpPr>
-        <a:xfrm>
-          <a:off x="0" y="0"/>
-          <a:ext cx="0" cy="0"/>
-          <a:chOff x="0" y="0"/>
-          <a:chExt cx="0" cy="0"/>
-        </a:xfrm>
-      </p:grpSpPr>
-      <p:sp>
-        <p:nvSpPr>
-          <p:cNvPr id="2" name="标题 1">
-            <a:extLst>
-              <a:ext uri="{FF2B5EF4-FFF2-40B4-BE49-F238E27FC236}">
-                <a16:creationId xmlns:a16="http://schemas.microsoft.com/office/drawing/2014/main" id="{9D9B9D0E-9A80-9144-BFBB-04EB8E7E9C2C}"/>
-              </a:ext>
-            </a:extLst>
-          </p:cNvPr>
-          <p:cNvSpPr>
-            <a:spLocks noGrp="1"/>
-          </p:cNvSpPr>
-          <p:nvPr>
-            <p:ph type="title"/>
-          </p:nvPr>
-        </p:nvSpPr>
-        <p:spPr/>
-        <p:txBody>
-          <a:bodyPr/>
-          <a:lstStyle/>
-          <a:p>
-            <a:r>
-              <a:rPr kumimoji="1" lang="en-US" altLang="zh-CN" dirty="0"/>
-              <a:t>ROC &amp; PR-curve </a:t>
-            </a:r>
-            <a:endParaRPr kumimoji="1" lang="zh-CN" altLang="en-US" dirty="0"/>
-          </a:p>
-        </p:txBody>
-      </p:sp>
-      <p:sp>
-        <p:nvSpPr>
-          <p:cNvPr id="5" name="页脚占位符 4">
-            <a:extLst>
-              <a:ext uri="{FF2B5EF4-FFF2-40B4-BE49-F238E27FC236}">
-                <a16:creationId xmlns:a16="http://schemas.microsoft.com/office/drawing/2014/main" id="{D6430CD8-D070-C840-BF31-AA28F9DE9C94}"/>
-              </a:ext>
-            </a:extLst>
-          </p:cNvPr>
-          <p:cNvSpPr>
-            <a:spLocks noGrp="1"/>
-          </p:cNvSpPr>
-          <p:nvPr>
-            <p:ph type="ftr" sz="quarter" idx="11"/>
-          </p:nvPr>
-        </p:nvSpPr>
-        <p:spPr/>
-        <p:txBody>
-          <a:bodyPr/>
-          <a:lstStyle/>
-          <a:p>
-            <a:r>
-              <a:rPr lang="en-US" altLang="zh-CN"/>
-              <a:t>INT305 Machine learning</a:t>
-            </a:r>
-            <a:endParaRPr lang="zh-CN" altLang="en-US" dirty="0"/>
-          </a:p>
-        </p:txBody>
-      </p:sp>
-      <p:sp>
-        <p:nvSpPr>
-          <p:cNvPr id="6" name="灯片编号占位符 5">
-            <a:extLst>
-              <a:ext uri="{FF2B5EF4-FFF2-40B4-BE49-F238E27FC236}">
-                <a16:creationId xmlns:a16="http://schemas.microsoft.com/office/drawing/2014/main" id="{EEAEEF79-67B9-5D4E-9CBE-59CC8FE6A0A8}"/>
-              </a:ext>
-            </a:extLst>
-          </p:cNvPr>
-          <p:cNvSpPr>
-            <a:spLocks noGrp="1"/>
-          </p:cNvSpPr>
-          <p:nvPr>
-            <p:ph type="sldNum" sz="quarter" idx="12"/>
-          </p:nvPr>
-        </p:nvSpPr>
-        <p:spPr/>
-        <p:txBody>
-          <a:bodyPr/>
-          <a:lstStyle/>
-          <a:p>
-            <a:fld id="{AD10DC52-F5A2-44BE-9016-764A6C90F141}" type="slidenum">
-              <a:rPr lang="zh-CN" altLang="en-US" smtClean="0"/>
-              <a:t>9</a:t>
-            </a:fld>
-            <a:endParaRPr lang="zh-CN" altLang="en-US"/>
-          </a:p>
-        </p:txBody>
-      </p:sp>
-      <p:pic>
-        <p:nvPicPr>
-          <p:cNvPr id="8194" name="Picture 2">
-            <a:extLst>
-              <a:ext uri="{FF2B5EF4-FFF2-40B4-BE49-F238E27FC236}">
-                <a16:creationId xmlns:a16="http://schemas.microsoft.com/office/drawing/2014/main" id="{FABDBFB3-D430-2D45-9D43-E12121C69C48}"/>
-              </a:ext>
-            </a:extLst>
-          </p:cNvPr>
-          <p:cNvPicPr>
-            <a:picLocks noGrp="1" noChangeAspect="1" noChangeArrowheads="1"/>
-          </p:cNvPicPr>
-          <p:nvPr>
-            <p:ph sz="half" idx="1"/>
-          </p:nvPr>
-        </p:nvPicPr>
-        <p:blipFill>
-          <a:blip r:embed="rId2">
-            <a:extLst>
-              <a:ext uri="{28A0092B-C50C-407E-A947-70E740481C1C}">
-                <a14:useLocalDpi xmlns:a14="http://schemas.microsoft.com/office/drawing/2010/main" val="0"/>
-              </a:ext>
-            </a:extLst>
-          </a:blip>
-          <a:srcRect/>
-          <a:stretch>
-            <a:fillRect/>
-          </a:stretch>
-        </p:blipFill>
-        <p:spPr bwMode="auto">
-          <a:xfrm>
-            <a:off x="457200" y="1644175"/>
-            <a:ext cx="4038600" cy="2761613"/>
-          </a:xfrm>
-          <a:prstGeom prst="rect">
-            <a:avLst/>
-          </a:prstGeom>
-          <a:noFill/>
-          <a:extLst>
-            <a:ext uri="{909E8E84-426E-40DD-AFC4-6F175D3DCCD1}">
-              <a14:hiddenFill xmlns:a14="http://schemas.microsoft.com/office/drawing/2010/main">
-                <a:solidFill>
-                  <a:srgbClr val="FFFFFF"/>
-                </a:solidFill>
-              </a14:hiddenFill>
-            </a:ext>
-          </a:extLst>
-        </p:spPr>
-      </p:pic>
-      <p:pic>
-        <p:nvPicPr>
-          <p:cNvPr id="8196" name="Picture 4">
-            <a:extLst>
-              <a:ext uri="{FF2B5EF4-FFF2-40B4-BE49-F238E27FC236}">
-                <a16:creationId xmlns:a16="http://schemas.microsoft.com/office/drawing/2014/main" id="{7CEA1EF0-4C3B-2E48-98F9-958A2A1C8C37}"/>
-              </a:ext>
-            </a:extLst>
-          </p:cNvPr>
-          <p:cNvPicPr>
-            <a:picLocks noGrp="1" noChangeAspect="1" noChangeArrowheads="1"/>
-          </p:cNvPicPr>
-          <p:nvPr>
-            <p:ph sz="half" idx="2"/>
-          </p:nvPr>
-        </p:nvPicPr>
-        <p:blipFill>
-          <a:blip r:embed="rId3">
-            <a:extLst>
-              <a:ext uri="{28A0092B-C50C-407E-A947-70E740481C1C}">
-                <a14:useLocalDpi xmlns:a14="http://schemas.microsoft.com/office/drawing/2010/main" val="0"/>
-              </a:ext>
-            </a:extLst>
-          </a:blip>
-          <a:srcRect/>
-          <a:stretch>
-            <a:fillRect/>
-          </a:stretch>
-        </p:blipFill>
-        <p:spPr bwMode="auto">
-          <a:xfrm>
-            <a:off x="4648200" y="1644175"/>
-            <a:ext cx="4038600" cy="2761613"/>
-          </a:xfrm>
-          <a:prstGeom prst="rect">
-            <a:avLst/>
-          </a:prstGeom>
-          <a:noFill/>
-          <a:extLst>
-            <a:ext uri="{909E8E84-426E-40DD-AFC4-6F175D3DCCD1}">
-              <a14:hiddenFill xmlns:a14="http://schemas.microsoft.com/office/drawing/2010/main">
-                <a:solidFill>
-                  <a:srgbClr val="FFFFFF"/>
-                </a:solidFill>
-              </a14:hiddenFill>
-            </a:ext>
-          </a:extLst>
-        </p:spPr>
-      </p:pic>
-    </p:spTree>
-    <p:extLst>
-      <p:ext uri="{BB962C8B-B14F-4D97-AF65-F5344CB8AC3E}">
-        <p14:creationId xmlns:p14="http://schemas.microsoft.com/office/powerpoint/2010/main" val="1408913455"/>
       </p:ext>
     </p:extLst>
   </p:cSld>
